--- a/Project_Slides_draft.pptx
+++ b/Project_Slides_draft.pptx
@@ -16,9 +16,9 @@
     <p:sldId id="294" r:id="rId7"/>
     <p:sldId id="280" r:id="rId8"/>
     <p:sldId id="282" r:id="rId9"/>
-    <p:sldId id="283" r:id="rId10"/>
-    <p:sldId id="284" r:id="rId11"/>
-    <p:sldId id="285" r:id="rId12"/>
+    <p:sldId id="284" r:id="rId10"/>
+    <p:sldId id="285" r:id="rId11"/>
+    <p:sldId id="295" r:id="rId12"/>
     <p:sldId id="281" r:id="rId13"/>
     <p:sldId id="286" r:id="rId14"/>
     <p:sldId id="287" r:id="rId15"/>
@@ -20317,7 +20317,7 @@
             <a:pPr lvl="2"/>
             <a:r>
               <a:rPr lang="en-US" sz="1800" dirty="0"/>
-              <a:t>Model Training: BERT</a:t>
+              <a:t>Model Training: TFT</a:t>
             </a:r>
           </a:p>
           <a:p>
@@ -20330,6 +20330,15 @@
               </a:rPr>
               <a:t>Comment</a:t>
             </a:r>
+            <a:endParaRPr lang="en-US" sz="1600" dirty="0"/>
+          </a:p>
+          <a:p>
+            <a:pPr lvl="3"/>
+            <a:endParaRPr lang="en-US" sz="1600" dirty="0">
+              <a:highlight>
+                <a:srgbClr val="00FFFF"/>
+              </a:highlight>
+            </a:endParaRPr>
           </a:p>
           <a:p>
             <a:pPr marL="0" indent="0">
@@ -20398,10 +20407,40 @@
           </a:prstGeom>
         </p:spPr>
       </p:pic>
+      <p:pic>
+        <p:nvPicPr>
+          <p:cNvPr id="4" name="Picture 3">
+            <a:extLst>
+              <a:ext uri="{FF2B5EF4-FFF2-40B4-BE49-F238E27FC236}">
+                <a16:creationId xmlns:a16="http://schemas.microsoft.com/office/drawing/2014/main" id="{9AC9D35B-6663-5E53-23F9-482778E1F068}"/>
+              </a:ext>
+            </a:extLst>
+          </p:cNvPr>
+          <p:cNvPicPr>
+            <a:picLocks noChangeAspect="1"/>
+          </p:cNvPicPr>
+          <p:nvPr/>
+        </p:nvPicPr>
+        <p:blipFill>
+          <a:blip r:embed="rId3"/>
+          <a:stretch>
+            <a:fillRect/>
+          </a:stretch>
+        </p:blipFill>
+        <p:spPr>
+          <a:xfrm>
+            <a:off x="5042578" y="1940013"/>
+            <a:ext cx="5635754" cy="4389460"/>
+          </a:xfrm>
+          <a:prstGeom prst="rect">
+            <a:avLst/>
+          </a:prstGeom>
+        </p:spPr>
+      </p:pic>
     </p:spTree>
     <p:extLst>
       <p:ext uri="{BB962C8B-B14F-4D97-AF65-F5344CB8AC3E}">
-        <p14:creationId xmlns:p14="http://schemas.microsoft.com/office/powerpoint/2010/main" val="561414112"/>
+        <p14:creationId xmlns:p14="http://schemas.microsoft.com/office/powerpoint/2010/main" val="1754308275"/>
       </p:ext>
     </p:extLst>
   </p:cSld>
@@ -21232,7 +21271,7 @@
             <a:pPr lvl="2"/>
             <a:r>
               <a:rPr lang="en-US" sz="1800" dirty="0"/>
-              <a:t>Model Training: TFT</a:t>
+              <a:t>Model Training: Parameters</a:t>
             </a:r>
           </a:p>
           <a:p>
@@ -21316,7 +21355,7 @@
     </p:spTree>
     <p:extLst>
       <p:ext uri="{BB962C8B-B14F-4D97-AF65-F5344CB8AC3E}">
-        <p14:creationId xmlns:p14="http://schemas.microsoft.com/office/powerpoint/2010/main" val="1754308275"/>
+        <p14:creationId xmlns:p14="http://schemas.microsoft.com/office/powerpoint/2010/main" val="2274734567"/>
       </p:ext>
     </p:extLst>
   </p:cSld>
@@ -22139,6 +22178,14 @@
             <a:pPr lvl="1"/>
             <a:r>
               <a:rPr lang="en-US" sz="2200" dirty="0"/>
+              <a:t>Experimental Designs</a:t>
+            </a:r>
+            <a:endParaRPr lang="en-US" sz="1800" dirty="0"/>
+          </a:p>
+          <a:p>
+            <a:pPr lvl="2"/>
+            <a:r>
+              <a:rPr lang="en-US" sz="1800" dirty="0"/>
               <a:t>Evaluation Metrics</a:t>
             </a:r>
           </a:p>
@@ -22209,8 +22256,8 @@
           </a:prstGeom>
         </p:spPr>
       </p:pic>
-      <mc:AlternateContent xmlns:mc="http://schemas.openxmlformats.org/markup-compatibility/2006" xmlns:a14="http://schemas.microsoft.com/office/drawing/2010/main">
-        <mc:Choice Requires="a14">
+      <mc:AlternateContent xmlns:mc="http://schemas.openxmlformats.org/markup-compatibility/2006">
+        <mc:Choice xmlns:a14="http://schemas.microsoft.com/office/drawing/2010/main" Requires="a14">
           <p:sp>
             <p:nvSpPr>
               <p:cNvPr id="5" name="TextBox 4">
@@ -22225,8 +22272,8 @@
             </p:nvSpPr>
             <p:spPr>
               <a:xfrm>
-                <a:off x="1545220" y="2598242"/>
-                <a:ext cx="5260694" cy="4209550"/>
+                <a:off x="1716784" y="2810510"/>
+                <a:ext cx="5089130" cy="4079643"/>
               </a:xfrm>
               <a:prstGeom prst="rect">
                 <a:avLst/>
@@ -22627,7 +22674,7 @@
             </p:txBody>
           </p:sp>
         </mc:Choice>
-        <mc:Fallback xmlns="">
+        <mc:Fallback>
           <p:sp>
             <p:nvSpPr>
               <p:cNvPr id="5" name="TextBox 4">
@@ -22644,8 +22691,8 @@
             </p:nvSpPr>
             <p:spPr>
               <a:xfrm>
-                <a:off x="1545220" y="2598242"/>
-                <a:ext cx="5260694" cy="4209550"/>
+                <a:off x="1716784" y="2810510"/>
+                <a:ext cx="5089130" cy="4079643"/>
               </a:xfrm>
               <a:prstGeom prst="rect">
                 <a:avLst/>
@@ -22653,7 +22700,7 @@
               <a:blipFill>
                 <a:blip r:embed="rId3"/>
                 <a:stretch>
-                  <a:fillRect l="-964" t="-601"/>
+                  <a:fillRect l="-998" t="-932"/>
                 </a:stretch>
               </a:blipFill>
             </p:spPr>
@@ -22672,8 +22719,8 @@
           </p:sp>
         </mc:Fallback>
       </mc:AlternateContent>
-      <mc:AlternateContent xmlns:mc="http://schemas.openxmlformats.org/markup-compatibility/2006" xmlns:a14="http://schemas.microsoft.com/office/drawing/2010/main">
-        <mc:Choice Requires="a14">
+      <mc:AlternateContent xmlns:mc="http://schemas.openxmlformats.org/markup-compatibility/2006">
+        <mc:Choice xmlns:a14="http://schemas.microsoft.com/office/drawing/2010/main" Requires="a14">
           <p:sp>
             <p:nvSpPr>
               <p:cNvPr id="9" name="TextBox 8">
@@ -22688,7 +22735,7 @@
             </p:nvSpPr>
             <p:spPr>
               <a:xfrm>
-                <a:off x="6805914" y="2547582"/>
+                <a:off x="6780781" y="2836605"/>
                 <a:ext cx="4808609" cy="1327479"/>
               </a:xfrm>
               <a:prstGeom prst="rect">
@@ -22972,7 +23019,7 @@
             </p:txBody>
           </p:sp>
         </mc:Choice>
-        <mc:Fallback xmlns="">
+        <mc:Fallback>
           <p:sp>
             <p:nvSpPr>
               <p:cNvPr id="9" name="TextBox 8">
@@ -22989,7 +23036,7 @@
             </p:nvSpPr>
             <p:spPr>
               <a:xfrm>
-                <a:off x="6805914" y="2547582"/>
+                <a:off x="6780781" y="2836605"/>
                 <a:ext cx="4808609" cy="1327479"/>
               </a:xfrm>
               <a:prstGeom prst="rect">
@@ -22998,7 +23045,7 @@
               <a:blipFill>
                 <a:blip r:embed="rId4"/>
                 <a:stretch>
-                  <a:fillRect l="-1053" t="-2830" r="-789" b="-5660"/>
+                  <a:fillRect l="-1053" t="-2857" r="-789" b="-6667"/>
                 </a:stretch>
               </a:blipFill>
             </p:spPr>
@@ -23031,7 +23078,7 @@
         </p:nvSpPr>
         <p:spPr>
           <a:xfrm>
-            <a:off x="6851333" y="4160793"/>
+            <a:off x="6838203" y="4470393"/>
             <a:ext cx="4808608" cy="1846659"/>
           </a:xfrm>
           <a:prstGeom prst="rect">
@@ -39566,7 +39613,7 @@
         <p:spPr>
           <a:xfrm>
             <a:off x="572492" y="2071316"/>
-            <a:ext cx="5666262" cy="4119172"/>
+            <a:ext cx="5666262" cy="4321714"/>
           </a:xfrm>
         </p:spPr>
         <p:txBody>
@@ -39696,7 +39743,13 @@
               </a:rPr>
               <a:t> to match the number of fall instances in both generated training and testing dataset</a:t>
             </a:r>
-            <a:endParaRPr lang="en-US" sz="1600" dirty="0"/>
+          </a:p>
+          <a:p>
+            <a:pPr lvl="2"/>
+            <a:r>
+              <a:rPr lang="en-US" sz="1800" dirty="0"/>
+              <a:t>Model Training</a:t>
+            </a:r>
           </a:p>
           <a:p>
             <a:pPr marL="0" indent="0">
@@ -39780,13 +39833,13 @@
           <p:nvPr>
             <p:extLst>
               <p:ext uri="{D42A27DB-BD31-4B8C-83A1-F6EECF244321}">
-                <p14:modId xmlns:p14="http://schemas.microsoft.com/office/powerpoint/2010/main" val="1611045735"/>
+                <p14:modId xmlns:p14="http://schemas.microsoft.com/office/powerpoint/2010/main" val="180444912"/>
               </p:ext>
             </p:extLst>
           </p:nvPr>
         </p:nvGraphicFramePr>
         <p:xfrm>
-          <a:off x="6535959" y="2517081"/>
+          <a:off x="6569548" y="1866671"/>
           <a:ext cx="4691484" cy="1043799"/>
         </p:xfrm>
         <a:graphic>
@@ -40076,12 +40129,12 @@
                         </a:lnSpc>
                       </a:pPr>
                       <a:r>
-                        <a:rPr lang="en-US" sz="1200">
+                        <a:rPr lang="en-US" sz="1200" dirty="0">
                           <a:effectLst/>
                         </a:rPr>
                         <a:t>1,456</a:t>
                       </a:r>
-                      <a:endParaRPr lang="en-CA" sz="1200">
+                      <a:endParaRPr lang="en-CA" sz="1200" dirty="0">
                         <a:effectLst/>
                         <a:latin typeface="Times New Roman" panose="02020603050405020304" pitchFamily="18" charset="0"/>
                         <a:ea typeface="Times New Roman" panose="02020603050405020304" pitchFamily="18" charset="0"/>
@@ -40271,7 +40324,7 @@
         </p:nvSpPr>
         <p:spPr>
           <a:xfrm>
-            <a:off x="5657363" y="3589704"/>
+            <a:off x="5695852" y="2925889"/>
             <a:ext cx="6098582" cy="302840"/>
           </a:xfrm>
           <a:prstGeom prst="rect">
@@ -40341,13 +40394,13 @@
           <p:nvPr>
             <p:extLst>
               <p:ext uri="{D42A27DB-BD31-4B8C-83A1-F6EECF244321}">
-                <p14:modId xmlns:p14="http://schemas.microsoft.com/office/powerpoint/2010/main" val="500330614"/>
+                <p14:modId xmlns:p14="http://schemas.microsoft.com/office/powerpoint/2010/main" val="263126988"/>
               </p:ext>
             </p:extLst>
           </p:nvPr>
         </p:nvGraphicFramePr>
         <p:xfrm>
-          <a:off x="6529207" y="4016507"/>
+          <a:off x="6560573" y="3346722"/>
           <a:ext cx="4592944" cy="981376"/>
         </p:xfrm>
         <a:graphic>
@@ -40744,12 +40797,12 @@
                         </a:lnSpc>
                       </a:pPr>
                       <a:r>
-                        <a:rPr lang="en-US" sz="1200">
+                        <a:rPr lang="en-US" sz="1200" dirty="0">
                           <a:effectLst/>
                         </a:rPr>
                         <a:t>4,368</a:t>
                       </a:r>
-                      <a:endParaRPr lang="en-CA" sz="1200">
+                      <a:endParaRPr lang="en-CA" sz="1200" dirty="0">
                         <a:effectLst/>
                         <a:latin typeface="Times New Roman" panose="02020603050405020304" pitchFamily="18" charset="0"/>
                         <a:ea typeface="Times New Roman" panose="02020603050405020304" pitchFamily="18" charset="0"/>
@@ -40832,7 +40885,7 @@
         </p:nvSpPr>
         <p:spPr>
           <a:xfrm>
-            <a:off x="6389722" y="5185659"/>
+            <a:off x="6417695" y="4346790"/>
             <a:ext cx="4934646" cy="302840"/>
           </a:xfrm>
           <a:prstGeom prst="rect">
@@ -40877,6 +40930,473 @@
                 <a:cs typeface="Arial" panose="020B0604020202020204" pitchFamily="34" charset="0"/>
               </a:rPr>
               <a:t> final dataset description</a:t>
+            </a:r>
+            <a:endParaRPr lang="en-CA" sz="1400" dirty="0">
+              <a:effectLst/>
+              <a:latin typeface="Arial" panose="020B0604020202020204" pitchFamily="34" charset="0"/>
+              <a:ea typeface="Times New Roman" panose="02020603050405020304" pitchFamily="18" charset="0"/>
+              <a:cs typeface="Arial" panose="020B0604020202020204" pitchFamily="34" charset="0"/>
+            </a:endParaRPr>
+          </a:p>
+        </p:txBody>
+      </p:sp>
+      <p:graphicFrame>
+        <p:nvGraphicFramePr>
+          <p:cNvPr id="10" name="Table 9">
+            <a:extLst>
+              <a:ext uri="{FF2B5EF4-FFF2-40B4-BE49-F238E27FC236}">
+                <a16:creationId xmlns:a16="http://schemas.microsoft.com/office/drawing/2014/main" id="{DAC6E8ED-50DA-007F-F926-480F8826C5B9}"/>
+              </a:ext>
+            </a:extLst>
+          </p:cNvPr>
+          <p:cNvGraphicFramePr>
+            <a:graphicFrameLocks noGrp="1"/>
+          </p:cNvGraphicFramePr>
+          <p:nvPr>
+            <p:extLst>
+              <p:ext uri="{D42A27DB-BD31-4B8C-83A1-F6EECF244321}">
+                <p14:modId xmlns:p14="http://schemas.microsoft.com/office/powerpoint/2010/main" val="2937783860"/>
+              </p:ext>
+            </p:extLst>
+          </p:nvPr>
+        </p:nvGraphicFramePr>
+        <p:xfrm>
+          <a:off x="6495334" y="4815817"/>
+          <a:ext cx="4857007" cy="1667422"/>
+        </p:xfrm>
+        <a:graphic>
+          <a:graphicData uri="http://schemas.openxmlformats.org/drawingml/2006/table">
+            <a:tbl>
+              <a:tblPr firstRow="1" firstCol="1" bandRow="1">
+                <a:tableStyleId>{5C22544A-7EE6-4342-B048-85BDC9FD1C3A}</a:tableStyleId>
+              </a:tblPr>
+              <a:tblGrid>
+                <a:gridCol w="2034062">
+                  <a:extLst>
+                    <a:ext uri="{9D8B030D-6E8A-4147-A177-3AD203B41FA5}">
+                      <a16:colId xmlns:a16="http://schemas.microsoft.com/office/drawing/2014/main" val="3360637223"/>
+                    </a:ext>
+                  </a:extLst>
+                </a:gridCol>
+                <a:gridCol w="2822945">
+                  <a:extLst>
+                    <a:ext uri="{9D8B030D-6E8A-4147-A177-3AD203B41FA5}">
+                      <a16:colId xmlns:a16="http://schemas.microsoft.com/office/drawing/2014/main" val="2544748791"/>
+                    </a:ext>
+                  </a:extLst>
+                </a:gridCol>
+              </a:tblGrid>
+              <a:tr h="142475">
+                <a:tc>
+                  <a:txBody>
+                    <a:bodyPr/>
+                    <a:lstStyle/>
+                    <a:p>
+                      <a:pPr indent="128270" algn="just">
+                        <a:lnSpc>
+                          <a:spcPct val="105000"/>
+                        </a:lnSpc>
+                      </a:pPr>
+                      <a:r>
+                        <a:rPr lang="en-US" sz="1400" dirty="0">
+                          <a:effectLst/>
+                        </a:rPr>
+                        <a:t> </a:t>
+                      </a:r>
+                      <a:endParaRPr lang="en-CA" sz="1400" dirty="0">
+                        <a:effectLst/>
+                        <a:latin typeface="Times New Roman" panose="02020603050405020304" pitchFamily="18" charset="0"/>
+                        <a:ea typeface="Times New Roman" panose="02020603050405020304" pitchFamily="18" charset="0"/>
+                      </a:endParaRPr>
+                    </a:p>
+                  </a:txBody>
+                  <a:tcPr marL="68580" marR="68580" marT="0" marB="0"/>
+                </a:tc>
+                <a:tc>
+                  <a:txBody>
+                    <a:bodyPr/>
+                    <a:lstStyle/>
+                    <a:p>
+                      <a:pPr indent="128270" algn="just">
+                        <a:lnSpc>
+                          <a:spcPct val="105000"/>
+                        </a:lnSpc>
+                      </a:pPr>
+                      <a:r>
+                        <a:rPr lang="en-US" sz="1400">
+                          <a:effectLst/>
+                        </a:rPr>
+                        <a:t>Value</a:t>
+                      </a:r>
+                      <a:endParaRPr lang="en-CA" sz="1400">
+                        <a:effectLst/>
+                        <a:latin typeface="Times New Roman" panose="02020603050405020304" pitchFamily="18" charset="0"/>
+                        <a:ea typeface="Times New Roman" panose="02020603050405020304" pitchFamily="18" charset="0"/>
+                      </a:endParaRPr>
+                    </a:p>
+                  </a:txBody>
+                  <a:tcPr marL="68580" marR="68580" marT="0" marB="0"/>
+                </a:tc>
+                <a:extLst>
+                  <a:ext uri="{0D108BD9-81ED-4DB2-BD59-A6C34878D82A}">
+                    <a16:rowId xmlns:a16="http://schemas.microsoft.com/office/drawing/2014/main" val="2224393101"/>
+                  </a:ext>
+                </a:extLst>
+              </a:tr>
+              <a:tr h="142475">
+                <a:tc>
+                  <a:txBody>
+                    <a:bodyPr/>
+                    <a:lstStyle/>
+                    <a:p>
+                      <a:pPr indent="128270" algn="just">
+                        <a:lnSpc>
+                          <a:spcPct val="105000"/>
+                        </a:lnSpc>
+                      </a:pPr>
+                      <a:r>
+                        <a:rPr lang="en-US" sz="1400" dirty="0">
+                          <a:effectLst/>
+                        </a:rPr>
+                        <a:t>learning rate</a:t>
+                      </a:r>
+                      <a:endParaRPr lang="en-CA" sz="1400" dirty="0">
+                        <a:effectLst/>
+                        <a:latin typeface="Times New Roman" panose="02020603050405020304" pitchFamily="18" charset="0"/>
+                        <a:ea typeface="Times New Roman" panose="02020603050405020304" pitchFamily="18" charset="0"/>
+                      </a:endParaRPr>
+                    </a:p>
+                  </a:txBody>
+                  <a:tcPr marL="68580" marR="68580" marT="0" marB="0"/>
+                </a:tc>
+                <a:tc>
+                  <a:txBody>
+                    <a:bodyPr/>
+                    <a:lstStyle/>
+                    <a:p>
+                      <a:pPr indent="128270" algn="just">
+                        <a:lnSpc>
+                          <a:spcPct val="105000"/>
+                        </a:lnSpc>
+                      </a:pPr>
+                      <a:r>
+                        <a:rPr lang="en-US" sz="1400" dirty="0">
+                          <a:effectLst/>
+                        </a:rPr>
+                        <a:t>0.0001</a:t>
+                      </a:r>
+                      <a:endParaRPr lang="en-CA" sz="1400" dirty="0">
+                        <a:effectLst/>
+                        <a:latin typeface="Times New Roman" panose="02020603050405020304" pitchFamily="18" charset="0"/>
+                        <a:ea typeface="Times New Roman" panose="02020603050405020304" pitchFamily="18" charset="0"/>
+                      </a:endParaRPr>
+                    </a:p>
+                  </a:txBody>
+                  <a:tcPr marL="68580" marR="68580" marT="0" marB="0"/>
+                </a:tc>
+                <a:extLst>
+                  <a:ext uri="{0D108BD9-81ED-4DB2-BD59-A6C34878D82A}">
+                    <a16:rowId xmlns:a16="http://schemas.microsoft.com/office/drawing/2014/main" val="666168985"/>
+                  </a:ext>
+                </a:extLst>
+              </a:tr>
+              <a:tr h="142475">
+                <a:tc>
+                  <a:txBody>
+                    <a:bodyPr/>
+                    <a:lstStyle/>
+                    <a:p>
+                      <a:pPr indent="128270" algn="just">
+                        <a:lnSpc>
+                          <a:spcPct val="105000"/>
+                        </a:lnSpc>
+                      </a:pPr>
+                      <a:r>
+                        <a:rPr lang="en-US" sz="1400" dirty="0">
+                          <a:effectLst/>
+                        </a:rPr>
+                        <a:t>batch size</a:t>
+                      </a:r>
+                      <a:endParaRPr lang="en-CA" sz="1400" dirty="0">
+                        <a:effectLst/>
+                        <a:latin typeface="Times New Roman" panose="02020603050405020304" pitchFamily="18" charset="0"/>
+                        <a:ea typeface="Times New Roman" panose="02020603050405020304" pitchFamily="18" charset="0"/>
+                      </a:endParaRPr>
+                    </a:p>
+                  </a:txBody>
+                  <a:tcPr marL="68580" marR="68580" marT="0" marB="0"/>
+                </a:tc>
+                <a:tc>
+                  <a:txBody>
+                    <a:bodyPr/>
+                    <a:lstStyle/>
+                    <a:p>
+                      <a:pPr indent="128270" algn="just">
+                        <a:lnSpc>
+                          <a:spcPct val="105000"/>
+                        </a:lnSpc>
+                      </a:pPr>
+                      <a:r>
+                        <a:rPr lang="en-US" sz="1400" dirty="0">
+                          <a:effectLst/>
+                        </a:rPr>
+                        <a:t>512</a:t>
+                      </a:r>
+                      <a:endParaRPr lang="en-CA" sz="1400" dirty="0">
+                        <a:effectLst/>
+                        <a:latin typeface="Times New Roman" panose="02020603050405020304" pitchFamily="18" charset="0"/>
+                        <a:ea typeface="Times New Roman" panose="02020603050405020304" pitchFamily="18" charset="0"/>
+                      </a:endParaRPr>
+                    </a:p>
+                  </a:txBody>
+                  <a:tcPr marL="68580" marR="68580" marT="0" marB="0"/>
+                </a:tc>
+                <a:extLst>
+                  <a:ext uri="{0D108BD9-81ED-4DB2-BD59-A6C34878D82A}">
+                    <a16:rowId xmlns:a16="http://schemas.microsoft.com/office/drawing/2014/main" val="923177799"/>
+                  </a:ext>
+                </a:extLst>
+              </a:tr>
+              <a:tr h="290531">
+                <a:tc>
+                  <a:txBody>
+                    <a:bodyPr/>
+                    <a:lstStyle/>
+                    <a:p>
+                      <a:pPr indent="128270" algn="just">
+                        <a:lnSpc>
+                          <a:spcPct val="105000"/>
+                        </a:lnSpc>
+                      </a:pPr>
+                      <a:r>
+                        <a:rPr lang="en-US" sz="1400" dirty="0">
+                          <a:effectLst/>
+                        </a:rPr>
+                        <a:t>validation split ratio</a:t>
+                      </a:r>
+                      <a:endParaRPr lang="en-CA" sz="1400" dirty="0">
+                        <a:effectLst/>
+                        <a:latin typeface="Times New Roman" panose="02020603050405020304" pitchFamily="18" charset="0"/>
+                        <a:ea typeface="Times New Roman" panose="02020603050405020304" pitchFamily="18" charset="0"/>
+                      </a:endParaRPr>
+                    </a:p>
+                  </a:txBody>
+                  <a:tcPr marL="68580" marR="68580" marT="0" marB="0"/>
+                </a:tc>
+                <a:tc>
+                  <a:txBody>
+                    <a:bodyPr/>
+                    <a:lstStyle/>
+                    <a:p>
+                      <a:pPr indent="128270" algn="just">
+                        <a:lnSpc>
+                          <a:spcPct val="105000"/>
+                        </a:lnSpc>
+                      </a:pPr>
+                      <a:r>
+                        <a:rPr lang="en-US" sz="1400" dirty="0">
+                          <a:effectLst/>
+                        </a:rPr>
+                        <a:t>0.2</a:t>
+                      </a:r>
+                      <a:endParaRPr lang="en-CA" sz="1400" dirty="0">
+                        <a:effectLst/>
+                        <a:latin typeface="Times New Roman" panose="02020603050405020304" pitchFamily="18" charset="0"/>
+                        <a:ea typeface="Times New Roman" panose="02020603050405020304" pitchFamily="18" charset="0"/>
+                      </a:endParaRPr>
+                    </a:p>
+                  </a:txBody>
+                  <a:tcPr marL="68580" marR="68580" marT="0" marB="0"/>
+                </a:tc>
+                <a:extLst>
+                  <a:ext uri="{0D108BD9-81ED-4DB2-BD59-A6C34878D82A}">
+                    <a16:rowId xmlns:a16="http://schemas.microsoft.com/office/drawing/2014/main" val="3060073206"/>
+                  </a:ext>
+                </a:extLst>
+              </a:tr>
+              <a:tr h="290531">
+                <a:tc>
+                  <a:txBody>
+                    <a:bodyPr/>
+                    <a:lstStyle/>
+                    <a:p>
+                      <a:pPr indent="128270" algn="just">
+                        <a:lnSpc>
+                          <a:spcPct val="105000"/>
+                        </a:lnSpc>
+                      </a:pPr>
+                      <a:r>
+                        <a:rPr lang="en-US" sz="1400" dirty="0">
+                          <a:effectLst/>
+                        </a:rPr>
+                        <a:t>number of epochs</a:t>
+                      </a:r>
+                      <a:endParaRPr lang="en-CA" sz="1400" dirty="0">
+                        <a:effectLst/>
+                        <a:latin typeface="Times New Roman" panose="02020603050405020304" pitchFamily="18" charset="0"/>
+                        <a:ea typeface="Times New Roman" panose="02020603050405020304" pitchFamily="18" charset="0"/>
+                      </a:endParaRPr>
+                    </a:p>
+                  </a:txBody>
+                  <a:tcPr marL="68580" marR="68580" marT="0" marB="0"/>
+                </a:tc>
+                <a:tc>
+                  <a:txBody>
+                    <a:bodyPr/>
+                    <a:lstStyle/>
+                    <a:p>
+                      <a:pPr indent="128270" algn="just">
+                        <a:lnSpc>
+                          <a:spcPct val="105000"/>
+                        </a:lnSpc>
+                      </a:pPr>
+                      <a:r>
+                        <a:rPr lang="en-US" sz="1400" dirty="0">
+                          <a:effectLst/>
+                        </a:rPr>
+                        <a:t>50</a:t>
+                      </a:r>
+                      <a:endParaRPr lang="en-CA" sz="1400" dirty="0">
+                        <a:effectLst/>
+                        <a:latin typeface="Times New Roman" panose="02020603050405020304" pitchFamily="18" charset="0"/>
+                        <a:ea typeface="Times New Roman" panose="02020603050405020304" pitchFamily="18" charset="0"/>
+                      </a:endParaRPr>
+                    </a:p>
+                  </a:txBody>
+                  <a:tcPr marL="68580" marR="68580" marT="0" marB="0"/>
+                </a:tc>
+                <a:extLst>
+                  <a:ext uri="{0D108BD9-81ED-4DB2-BD59-A6C34878D82A}">
+                    <a16:rowId xmlns:a16="http://schemas.microsoft.com/office/drawing/2014/main" val="2637296760"/>
+                  </a:ext>
+                </a:extLst>
+              </a:tr>
+              <a:tr h="438587">
+                <a:tc>
+                  <a:txBody>
+                    <a:bodyPr/>
+                    <a:lstStyle/>
+                    <a:p>
+                      <a:pPr indent="128270" algn="just">
+                        <a:lnSpc>
+                          <a:spcPct val="105000"/>
+                        </a:lnSpc>
+                      </a:pPr>
+                      <a:r>
+                        <a:rPr lang="en-US" sz="1400">
+                          <a:effectLst/>
+                        </a:rPr>
+                        <a:t>Early stopping</a:t>
+                      </a:r>
+                      <a:endParaRPr lang="en-CA" sz="1400">
+                        <a:effectLst/>
+                        <a:latin typeface="Times New Roman" panose="02020603050405020304" pitchFamily="18" charset="0"/>
+                        <a:ea typeface="Times New Roman" panose="02020603050405020304" pitchFamily="18" charset="0"/>
+                      </a:endParaRPr>
+                    </a:p>
+                  </a:txBody>
+                  <a:tcPr marL="68580" marR="68580" marT="0" marB="0"/>
+                </a:tc>
+                <a:tc>
+                  <a:txBody>
+                    <a:bodyPr/>
+                    <a:lstStyle/>
+                    <a:p>
+                      <a:pPr indent="128270" algn="just">
+                        <a:lnSpc>
+                          <a:spcPct val="105000"/>
+                        </a:lnSpc>
+                      </a:pPr>
+                      <a:r>
+                        <a:rPr lang="en-US" sz="1400" dirty="0">
+                          <a:effectLst/>
+                        </a:rPr>
+                        <a:t>monitor='</a:t>
+                      </a:r>
+                      <a:r>
+                        <a:rPr lang="en-US" sz="1400" dirty="0" err="1">
+                          <a:effectLst/>
+                        </a:rPr>
+                        <a:t>val_loss</a:t>
+                      </a:r>
+                      <a:r>
+                        <a:rPr lang="en-US" sz="1400" dirty="0">
+                          <a:effectLst/>
+                        </a:rPr>
+                        <a:t>', patience=1, </a:t>
+                      </a:r>
+                      <a:r>
+                        <a:rPr lang="en-US" sz="1400" dirty="0" err="1">
+                          <a:effectLst/>
+                        </a:rPr>
+                        <a:t>restore_best_weights</a:t>
+                      </a:r>
+                      <a:r>
+                        <a:rPr lang="en-US" sz="1400" dirty="0">
+                          <a:effectLst/>
+                        </a:rPr>
+                        <a:t>=True</a:t>
+                      </a:r>
+                      <a:endParaRPr lang="en-CA" sz="1400" dirty="0">
+                        <a:effectLst/>
+                        <a:latin typeface="Times New Roman" panose="02020603050405020304" pitchFamily="18" charset="0"/>
+                        <a:ea typeface="Times New Roman" panose="02020603050405020304" pitchFamily="18" charset="0"/>
+                      </a:endParaRPr>
+                    </a:p>
+                  </a:txBody>
+                  <a:tcPr marL="68580" marR="68580" marT="0" marB="0"/>
+                </a:tc>
+                <a:extLst>
+                  <a:ext uri="{0D108BD9-81ED-4DB2-BD59-A6C34878D82A}">
+                    <a16:rowId xmlns:a16="http://schemas.microsoft.com/office/drawing/2014/main" val="2324928530"/>
+                  </a:ext>
+                </a:extLst>
+              </a:tr>
+            </a:tbl>
+          </a:graphicData>
+        </a:graphic>
+      </p:graphicFrame>
+      <p:sp>
+        <p:nvSpPr>
+          <p:cNvPr id="11" name="TextBox 10">
+            <a:extLst>
+              <a:ext uri="{FF2B5EF4-FFF2-40B4-BE49-F238E27FC236}">
+                <a16:creationId xmlns:a16="http://schemas.microsoft.com/office/drawing/2014/main" id="{C70840D5-ECCE-DAC5-D03B-13598B79BD81}"/>
+              </a:ext>
+            </a:extLst>
+          </p:cNvPr>
+          <p:cNvSpPr txBox="1"/>
+          <p:nvPr/>
+        </p:nvSpPr>
+        <p:spPr>
+          <a:xfrm>
+            <a:off x="6137946" y="6483239"/>
+            <a:ext cx="5214395" cy="302840"/>
+          </a:xfrm>
+          <a:prstGeom prst="rect">
+            <a:avLst/>
+          </a:prstGeom>
+          <a:noFill/>
+        </p:spPr>
+        <p:txBody>
+          <a:bodyPr wrap="square">
+            <a:spAutoFit/>
+          </a:bodyPr>
+          <a:lstStyle/>
+          <a:p>
+            <a:pPr indent="128270" algn="ctr">
+              <a:lnSpc>
+                <a:spcPct val="105000"/>
+              </a:lnSpc>
+            </a:pPr>
+            <a:r>
+              <a:rPr lang="en-US" sz="1400" dirty="0">
+                <a:effectLst/>
+                <a:latin typeface="Arial" panose="020B0604020202020204" pitchFamily="34" charset="0"/>
+                <a:ea typeface="Times New Roman" panose="02020603050405020304" pitchFamily="18" charset="0"/>
+                <a:cs typeface="Arial" panose="020B0604020202020204" pitchFamily="34" charset="0"/>
+              </a:rPr>
+              <a:t>Table IV. Model Parameters</a:t>
             </a:r>
             <a:endParaRPr lang="en-CA" sz="1400" dirty="0">
               <a:effectLst/>
@@ -41721,11 +42241,15 @@
             <a:pPr lvl="2"/>
             <a:r>
               <a:rPr lang="en-US" sz="1800" dirty="0"/>
-              <a:t>Model Training: LSTM</a:t>
+              <a:t>Model Training: </a:t>
             </a:r>
           </a:p>
           <a:p>
             <a:pPr lvl="3"/>
+            <a:r>
+              <a:rPr lang="en-US" sz="1600" dirty="0"/>
+              <a:t>LSTM: </a:t>
+            </a:r>
             <a:r>
               <a:rPr lang="en-US" sz="1600" dirty="0">
                 <a:highlight>
@@ -41736,10 +42260,23 @@
             </a:r>
           </a:p>
           <a:p>
-            <a:pPr marL="0" indent="0">
-              <a:buNone/>
-            </a:pPr>
-            <a:endParaRPr lang="en-US" sz="2200" dirty="0"/>
+            <a:pPr lvl="3"/>
+            <a:r>
+              <a:rPr lang="en-US" sz="1600" dirty="0"/>
+              <a:t>GRU:</a:t>
+            </a:r>
+            <a:r>
+              <a:rPr lang="en-US" sz="1600" dirty="0">
+                <a:highlight>
+                  <a:srgbClr val="00FFFF"/>
+                </a:highlight>
+              </a:rPr>
+              <a:t> Comment</a:t>
+            </a:r>
+            <a:r>
+              <a:rPr lang="en-US" sz="1600" dirty="0"/>
+              <a:t> </a:t>
+            </a:r>
           </a:p>
         </p:txBody>
       </p:sp>
@@ -41796,6 +42333,66 @@
           <a:xfrm>
             <a:off x="9476721" y="214973"/>
             <a:ext cx="2506345" cy="529590"/>
+          </a:xfrm>
+          <a:prstGeom prst="rect">
+            <a:avLst/>
+          </a:prstGeom>
+        </p:spPr>
+      </p:pic>
+      <p:pic>
+        <p:nvPicPr>
+          <p:cNvPr id="4" name="Picture 3">
+            <a:extLst>
+              <a:ext uri="{FF2B5EF4-FFF2-40B4-BE49-F238E27FC236}">
+                <a16:creationId xmlns:a16="http://schemas.microsoft.com/office/drawing/2014/main" id="{DB0E03D2-7598-DA21-AF51-D3E08B6E2161}"/>
+              </a:ext>
+            </a:extLst>
+          </p:cNvPr>
+          <p:cNvPicPr>
+            <a:picLocks noChangeAspect="1"/>
+          </p:cNvPicPr>
+          <p:nvPr/>
+        </p:nvPicPr>
+        <p:blipFill>
+          <a:blip r:embed="rId3"/>
+          <a:stretch>
+            <a:fillRect/>
+          </a:stretch>
+        </p:blipFill>
+        <p:spPr>
+          <a:xfrm>
+            <a:off x="5702408" y="2308422"/>
+            <a:ext cx="5981700" cy="1333500"/>
+          </a:xfrm>
+          <a:prstGeom prst="rect">
+            <a:avLst/>
+          </a:prstGeom>
+        </p:spPr>
+      </p:pic>
+      <p:pic>
+        <p:nvPicPr>
+          <p:cNvPr id="8" name="Picture 7">
+            <a:extLst>
+              <a:ext uri="{FF2B5EF4-FFF2-40B4-BE49-F238E27FC236}">
+                <a16:creationId xmlns:a16="http://schemas.microsoft.com/office/drawing/2014/main" id="{8DF88BA6-8646-94AB-04CA-2AEC1D0092F8}"/>
+              </a:ext>
+            </a:extLst>
+          </p:cNvPr>
+          <p:cNvPicPr>
+            <a:picLocks noChangeAspect="1"/>
+          </p:cNvPicPr>
+          <p:nvPr/>
+        </p:nvPicPr>
+        <p:blipFill>
+          <a:blip r:embed="rId4"/>
+          <a:stretch>
+            <a:fillRect/>
+          </a:stretch>
+        </p:blipFill>
+        <p:spPr>
+          <a:xfrm>
+            <a:off x="5804546" y="4250512"/>
+            <a:ext cx="5911850" cy="1349444"/>
           </a:xfrm>
           <a:prstGeom prst="rect">
             <a:avLst/>
@@ -42636,7 +43233,7 @@
             <a:pPr lvl="2"/>
             <a:r>
               <a:rPr lang="en-US" sz="1800" dirty="0"/>
-              <a:t>Model Training: GRU</a:t>
+              <a:t>Model Training: BERT</a:t>
             </a:r>
           </a:p>
           <a:p>
@@ -42649,6 +43246,17 @@
               </a:rPr>
               <a:t>Comment</a:t>
             </a:r>
+            <a:endParaRPr lang="en-US" sz="1600" dirty="0"/>
+          </a:p>
+          <a:p>
+            <a:pPr marL="1371600" lvl="3" indent="0">
+              <a:buNone/>
+            </a:pPr>
+            <a:endParaRPr lang="en-US" sz="1600" dirty="0">
+              <a:highlight>
+                <a:srgbClr val="00FFFF"/>
+              </a:highlight>
+            </a:endParaRPr>
           </a:p>
           <a:p>
             <a:pPr marL="0" indent="0">
@@ -42720,7 +43328,7 @@
     </p:spTree>
     <p:extLst>
       <p:ext uri="{BB962C8B-B14F-4D97-AF65-F5344CB8AC3E}">
-        <p14:creationId xmlns:p14="http://schemas.microsoft.com/office/powerpoint/2010/main" val="2537047894"/>
+        <p14:creationId xmlns:p14="http://schemas.microsoft.com/office/powerpoint/2010/main" val="561414112"/>
       </p:ext>
     </p:extLst>
   </p:cSld>
